--- a/slides/Programación con Python05.pptx
+++ b/slides/Programación con Python05.pptx
@@ -7,7 +7,18 @@
   <p:sldIdLst>
     <p:sldId id="256" r:id="rId2"/>
     <p:sldId id="257" r:id="rId3"/>
-    <p:sldId id="258" r:id="rId4"/>
+    <p:sldId id="260" r:id="rId4"/>
+    <p:sldId id="261" r:id="rId5"/>
+    <p:sldId id="262" r:id="rId6"/>
+    <p:sldId id="266" r:id="rId7"/>
+    <p:sldId id="264" r:id="rId8"/>
+    <p:sldId id="265" r:id="rId9"/>
+    <p:sldId id="267" r:id="rId10"/>
+    <p:sldId id="268" r:id="rId11"/>
+    <p:sldId id="269" r:id="rId12"/>
+    <p:sldId id="270" r:id="rId13"/>
+    <p:sldId id="271" r:id="rId14"/>
+    <p:sldId id="272" r:id="rId15"/>
   </p:sldIdLst>
   <p:sldSz cx="12192000" cy="6858000"/>
   <p:notesSz cx="6858000" cy="9144000"/>
@@ -263,7 +274,7 @@
           <a:p>
             <a:fld id="{F0BD690B-3748-411C-ABE2-76C30AC32B51}" type="datetimeFigureOut">
               <a:rPr lang="es-MX" smtClean="0"/>
-              <a:t>02/04/2020</a:t>
+              <a:t>06/04/2020</a:t>
             </a:fld>
             <a:endParaRPr lang="es-MX"/>
           </a:p>
@@ -463,7 +474,7 @@
           <a:p>
             <a:fld id="{F0BD690B-3748-411C-ABE2-76C30AC32B51}" type="datetimeFigureOut">
               <a:rPr lang="es-MX" smtClean="0"/>
-              <a:t>02/04/2020</a:t>
+              <a:t>06/04/2020</a:t>
             </a:fld>
             <a:endParaRPr lang="es-MX"/>
           </a:p>
@@ -673,7 +684,7 @@
           <a:p>
             <a:fld id="{F0BD690B-3748-411C-ABE2-76C30AC32B51}" type="datetimeFigureOut">
               <a:rPr lang="es-MX" smtClean="0"/>
-              <a:t>02/04/2020</a:t>
+              <a:t>06/04/2020</a:t>
             </a:fld>
             <a:endParaRPr lang="es-MX"/>
           </a:p>
@@ -873,7 +884,7 @@
           <a:p>
             <a:fld id="{F0BD690B-3748-411C-ABE2-76C30AC32B51}" type="datetimeFigureOut">
               <a:rPr lang="es-MX" smtClean="0"/>
-              <a:t>02/04/2020</a:t>
+              <a:t>06/04/2020</a:t>
             </a:fld>
             <a:endParaRPr lang="es-MX"/>
           </a:p>
@@ -1149,7 +1160,7 @@
           <a:p>
             <a:fld id="{F0BD690B-3748-411C-ABE2-76C30AC32B51}" type="datetimeFigureOut">
               <a:rPr lang="es-MX" smtClean="0"/>
-              <a:t>02/04/2020</a:t>
+              <a:t>06/04/2020</a:t>
             </a:fld>
             <a:endParaRPr lang="es-MX"/>
           </a:p>
@@ -1417,7 +1428,7 @@
           <a:p>
             <a:fld id="{F0BD690B-3748-411C-ABE2-76C30AC32B51}" type="datetimeFigureOut">
               <a:rPr lang="es-MX" smtClean="0"/>
-              <a:t>02/04/2020</a:t>
+              <a:t>06/04/2020</a:t>
             </a:fld>
             <a:endParaRPr lang="es-MX"/>
           </a:p>
@@ -1832,7 +1843,7 @@
           <a:p>
             <a:fld id="{F0BD690B-3748-411C-ABE2-76C30AC32B51}" type="datetimeFigureOut">
               <a:rPr lang="es-MX" smtClean="0"/>
-              <a:t>02/04/2020</a:t>
+              <a:t>06/04/2020</a:t>
             </a:fld>
             <a:endParaRPr lang="es-MX"/>
           </a:p>
@@ -1974,7 +1985,7 @@
           <a:p>
             <a:fld id="{F0BD690B-3748-411C-ABE2-76C30AC32B51}" type="datetimeFigureOut">
               <a:rPr lang="es-MX" smtClean="0"/>
-              <a:t>02/04/2020</a:t>
+              <a:t>06/04/2020</a:t>
             </a:fld>
             <a:endParaRPr lang="es-MX"/>
           </a:p>
@@ -2087,7 +2098,7 @@
           <a:p>
             <a:fld id="{F0BD690B-3748-411C-ABE2-76C30AC32B51}" type="datetimeFigureOut">
               <a:rPr lang="es-MX" smtClean="0"/>
-              <a:t>02/04/2020</a:t>
+              <a:t>06/04/2020</a:t>
             </a:fld>
             <a:endParaRPr lang="es-MX"/>
           </a:p>
@@ -2400,7 +2411,7 @@
           <a:p>
             <a:fld id="{F0BD690B-3748-411C-ABE2-76C30AC32B51}" type="datetimeFigureOut">
               <a:rPr lang="es-MX" smtClean="0"/>
-              <a:t>02/04/2020</a:t>
+              <a:t>06/04/2020</a:t>
             </a:fld>
             <a:endParaRPr lang="es-MX"/>
           </a:p>
@@ -2693,7 +2704,7 @@
           <a:p>
             <a:fld id="{F0BD690B-3748-411C-ABE2-76C30AC32B51}" type="datetimeFigureOut">
               <a:rPr lang="es-MX" smtClean="0"/>
-              <a:t>02/04/2020</a:t>
+              <a:t>06/04/2020</a:t>
             </a:fld>
             <a:endParaRPr lang="es-MX"/>
           </a:p>
@@ -2936,7 +2947,7 @@
           <a:p>
             <a:fld id="{F0BD690B-3748-411C-ABE2-76C30AC32B51}" type="datetimeFigureOut">
               <a:rPr lang="es-MX" smtClean="0"/>
-              <a:t>02/04/2020</a:t>
+              <a:t>06/04/2020</a:t>
             </a:fld>
             <a:endParaRPr lang="es-MX"/>
           </a:p>
@@ -3419,6 +3430,1175 @@
 </p:sld>
 </file>
 
+<file path=ppt/slides/slide10.xml><?xml version="1.0" encoding="utf-8"?>
+<p:sld xmlns:a="http://schemas.openxmlformats.org/drawingml/2006/main" xmlns:r="http://schemas.openxmlformats.org/officeDocument/2006/relationships" xmlns:p="http://schemas.openxmlformats.org/presentationml/2006/main">
+  <p:cSld>
+    <p:spTree>
+      <p:nvGrpSpPr>
+        <p:cNvPr id="1" name=""/>
+        <p:cNvGrpSpPr/>
+        <p:nvPr/>
+      </p:nvGrpSpPr>
+      <p:grpSpPr>
+        <a:xfrm>
+          <a:off x="0" y="0"/>
+          <a:ext cx="0" cy="0"/>
+          <a:chOff x="0" y="0"/>
+          <a:chExt cx="0" cy="0"/>
+        </a:xfrm>
+      </p:grpSpPr>
+      <p:sp>
+        <p:nvSpPr>
+          <p:cNvPr id="2" name="Título 1">
+            <a:extLst>
+              <a:ext uri="{FF2B5EF4-FFF2-40B4-BE49-F238E27FC236}">
+                <a16:creationId xmlns:a16="http://schemas.microsoft.com/office/drawing/2014/main" id="{C3D1D02A-B140-40F0-80BA-C6F051963B10}"/>
+              </a:ext>
+            </a:extLst>
+          </p:cNvPr>
+          <p:cNvSpPr>
+            <a:spLocks noGrp="1"/>
+          </p:cNvSpPr>
+          <p:nvPr>
+            <p:ph type="title"/>
+          </p:nvPr>
+        </p:nvSpPr>
+        <p:spPr/>
+        <p:txBody>
+          <a:bodyPr/>
+          <a:lstStyle/>
+          <a:p>
+            <a:r>
+              <a:rPr lang="es-MX" dirty="0"/>
+              <a:t>Ciclos infinitos</a:t>
+            </a:r>
+          </a:p>
+        </p:txBody>
+      </p:sp>
+      <p:sp>
+        <p:nvSpPr>
+          <p:cNvPr id="3" name="Marcador de contenido 2">
+            <a:extLst>
+              <a:ext uri="{FF2B5EF4-FFF2-40B4-BE49-F238E27FC236}">
+                <a16:creationId xmlns:a16="http://schemas.microsoft.com/office/drawing/2014/main" id="{32DBA170-A205-4AC0-8FD2-3B2B71D360A9}"/>
+              </a:ext>
+            </a:extLst>
+          </p:cNvPr>
+          <p:cNvSpPr>
+            <a:spLocks noGrp="1"/>
+          </p:cNvSpPr>
+          <p:nvPr>
+            <p:ph idx="1"/>
+          </p:nvPr>
+        </p:nvSpPr>
+        <p:spPr/>
+        <p:txBody>
+          <a:bodyPr/>
+          <a:lstStyle/>
+          <a:p>
+            <a:r>
+              <a:rPr lang="es-MX" dirty="0"/>
+              <a:t>Sabemos que el bloque de código que está </a:t>
+            </a:r>
+            <a:r>
+              <a:rPr lang="es-MX" i="1" dirty="0"/>
+              <a:t>dentro</a:t>
+            </a:r>
+            <a:r>
+              <a:rPr lang="es-MX" dirty="0"/>
+              <a:t> del ciclo </a:t>
+            </a:r>
+            <a:r>
+              <a:rPr lang="es-MX" i="1" dirty="0" err="1"/>
+              <a:t>while</a:t>
+            </a:r>
+            <a:r>
+              <a:rPr lang="es-MX" dirty="0"/>
+              <a:t> se ejecuta </a:t>
+            </a:r>
+            <a:r>
+              <a:rPr lang="es-MX" b="1" dirty="0"/>
+              <a:t>mientras</a:t>
+            </a:r>
+            <a:r>
+              <a:rPr lang="es-MX" dirty="0"/>
+              <a:t> el resultado de la expresión lógica es </a:t>
+            </a:r>
+            <a:r>
+              <a:rPr lang="es-MX" dirty="0">
+                <a:solidFill>
+                  <a:srgbClr val="0070C0"/>
+                </a:solidFill>
+                <a:latin typeface="Consolas" panose="020B0609020204030204" pitchFamily="49" charset="0"/>
+              </a:rPr>
+              <a:t>True</a:t>
+            </a:r>
+            <a:r>
+              <a:rPr lang="es-MX" dirty="0"/>
+              <a:t>. Por lo tanto, si ponemos ese valor el ciclo se ejecutará “para siempre”. Este ciclo se llama ciclo infinito. La manera de salir es con la palabra reservada </a:t>
+            </a:r>
+            <a:r>
+              <a:rPr lang="es-MX" dirty="0">
+                <a:solidFill>
+                  <a:srgbClr val="0070C0"/>
+                </a:solidFill>
+                <a:latin typeface="Consolas" panose="020B0609020204030204" pitchFamily="49" charset="0"/>
+              </a:rPr>
+              <a:t>break</a:t>
+            </a:r>
+            <a:r>
+              <a:rPr lang="es-MX" dirty="0"/>
+              <a:t>.</a:t>
+            </a:r>
+          </a:p>
+          <a:p>
+            <a:r>
+              <a:rPr lang="es-MX" dirty="0">
+                <a:solidFill>
+                  <a:srgbClr val="0070C0"/>
+                </a:solidFill>
+                <a:latin typeface="Consolas" panose="020B0609020204030204" pitchFamily="49" charset="0"/>
+              </a:rPr>
+              <a:t>break</a:t>
+            </a:r>
+            <a:r>
+              <a:rPr lang="es-MX" dirty="0">
+                <a:latin typeface="Consolas" panose="020B0609020204030204" pitchFamily="49" charset="0"/>
+              </a:rPr>
+              <a:t> </a:t>
+            </a:r>
+            <a:r>
+              <a:rPr lang="es-MX" dirty="0"/>
+              <a:t>puede estar dentro de un condicional dentro (anidado) del ciclo </a:t>
+            </a:r>
+            <a:r>
+              <a:rPr lang="es-MX" i="1" dirty="0" err="1"/>
+              <a:t>while</a:t>
+            </a:r>
+            <a:r>
+              <a:rPr lang="es-MX" dirty="0"/>
+              <a:t>.</a:t>
+            </a:r>
+            <a:endParaRPr lang="es-MX" dirty="0">
+              <a:solidFill>
+                <a:srgbClr val="0070C0"/>
+              </a:solidFill>
+              <a:latin typeface="Consolas" panose="020B0609020204030204" pitchFamily="49" charset="0"/>
+            </a:endParaRPr>
+          </a:p>
+        </p:txBody>
+      </p:sp>
+    </p:spTree>
+    <p:extLst>
+      <p:ext uri="{BB962C8B-B14F-4D97-AF65-F5344CB8AC3E}">
+        <p14:creationId xmlns:p14="http://schemas.microsoft.com/office/powerpoint/2010/main" val="3669276139"/>
+      </p:ext>
+    </p:extLst>
+  </p:cSld>
+  <p:clrMapOvr>
+    <a:masterClrMapping/>
+  </p:clrMapOvr>
+</p:sld>
+</file>
+
+<file path=ppt/slides/slide11.xml><?xml version="1.0" encoding="utf-8"?>
+<p:sld xmlns:a="http://schemas.openxmlformats.org/drawingml/2006/main" xmlns:r="http://schemas.openxmlformats.org/officeDocument/2006/relationships" xmlns:p="http://schemas.openxmlformats.org/presentationml/2006/main">
+  <p:cSld>
+    <p:spTree>
+      <p:nvGrpSpPr>
+        <p:cNvPr id="1" name=""/>
+        <p:cNvGrpSpPr/>
+        <p:nvPr/>
+      </p:nvGrpSpPr>
+      <p:grpSpPr>
+        <a:xfrm>
+          <a:off x="0" y="0"/>
+          <a:ext cx="0" cy="0"/>
+          <a:chOff x="0" y="0"/>
+          <a:chExt cx="0" cy="0"/>
+        </a:xfrm>
+      </p:grpSpPr>
+      <p:sp>
+        <p:nvSpPr>
+          <p:cNvPr id="2" name="Título 1">
+            <a:extLst>
+              <a:ext uri="{FF2B5EF4-FFF2-40B4-BE49-F238E27FC236}">
+                <a16:creationId xmlns:a16="http://schemas.microsoft.com/office/drawing/2014/main" id="{3F940630-663F-497A-A4FE-B72722C0327B}"/>
+              </a:ext>
+            </a:extLst>
+          </p:cNvPr>
+          <p:cNvSpPr>
+            <a:spLocks noGrp="1"/>
+          </p:cNvSpPr>
+          <p:nvPr>
+            <p:ph type="title"/>
+          </p:nvPr>
+        </p:nvSpPr>
+        <p:spPr/>
+        <p:txBody>
+          <a:bodyPr/>
+          <a:lstStyle/>
+          <a:p>
+            <a:r>
+              <a:rPr lang="es-MX" dirty="0"/>
+              <a:t>Ciclos infinitos</a:t>
+            </a:r>
+          </a:p>
+        </p:txBody>
+      </p:sp>
+      <p:sp>
+        <p:nvSpPr>
+          <p:cNvPr id="3" name="Marcador de contenido 2">
+            <a:extLst>
+              <a:ext uri="{FF2B5EF4-FFF2-40B4-BE49-F238E27FC236}">
+                <a16:creationId xmlns:a16="http://schemas.microsoft.com/office/drawing/2014/main" id="{C708CF78-A5A2-43DA-97DE-400AF8CCF791}"/>
+              </a:ext>
+            </a:extLst>
+          </p:cNvPr>
+          <p:cNvSpPr>
+            <a:spLocks noGrp="1"/>
+          </p:cNvSpPr>
+          <p:nvPr>
+            <p:ph idx="1"/>
+          </p:nvPr>
+        </p:nvSpPr>
+        <p:spPr/>
+        <p:txBody>
+          <a:bodyPr/>
+          <a:lstStyle/>
+          <a:p>
+            <a:r>
+              <a:rPr lang="es-MX" dirty="0"/>
+              <a:t>Ejemplo: </a:t>
+            </a:r>
+          </a:p>
+        </p:txBody>
+      </p:sp>
+      <p:sp>
+        <p:nvSpPr>
+          <p:cNvPr id="4" name="Rectángulo 3">
+            <a:extLst>
+              <a:ext uri="{FF2B5EF4-FFF2-40B4-BE49-F238E27FC236}">
+                <a16:creationId xmlns:a16="http://schemas.microsoft.com/office/drawing/2014/main" id="{775490C2-512D-4AF8-9D3B-6C9CFC7E7BAC}"/>
+              </a:ext>
+            </a:extLst>
+          </p:cNvPr>
+          <p:cNvSpPr/>
+          <p:nvPr/>
+        </p:nvSpPr>
+        <p:spPr>
+          <a:xfrm>
+            <a:off x="1579927" y="2711390"/>
+            <a:ext cx="6096000" cy="2031325"/>
+          </a:xfrm>
+          <a:prstGeom prst="rect">
+            <a:avLst/>
+          </a:prstGeom>
+        </p:spPr>
+        <p:txBody>
+          <a:bodyPr>
+            <a:spAutoFit/>
+          </a:bodyPr>
+          <a:lstStyle/>
+          <a:p>
+            <a:r>
+              <a:rPr lang="es-MX" dirty="0">
+                <a:latin typeface="Consolas" panose="020B0609020204030204" pitchFamily="49" charset="0"/>
+              </a:rPr>
+              <a:t>contador</a:t>
+            </a:r>
+            <a:r>
+              <a:rPr lang="es-MX" dirty="0">
+                <a:solidFill>
+                  <a:srgbClr val="0070C0"/>
+                </a:solidFill>
+                <a:latin typeface="Consolas" panose="020B0609020204030204" pitchFamily="49" charset="0"/>
+              </a:rPr>
+              <a:t> = 0</a:t>
+            </a:r>
+          </a:p>
+          <a:p>
+            <a:r>
+              <a:rPr lang="es-MX" dirty="0" err="1">
+                <a:solidFill>
+                  <a:srgbClr val="0070C0"/>
+                </a:solidFill>
+                <a:latin typeface="Consolas" panose="020B0609020204030204" pitchFamily="49" charset="0"/>
+              </a:rPr>
+              <a:t>while</a:t>
+            </a:r>
+            <a:r>
+              <a:rPr lang="es-MX" dirty="0">
+                <a:latin typeface="Consolas" panose="020B0609020204030204" pitchFamily="49" charset="0"/>
+              </a:rPr>
+              <a:t> </a:t>
+            </a:r>
+            <a:r>
+              <a:rPr lang="es-MX" dirty="0">
+                <a:solidFill>
+                  <a:srgbClr val="0070C0"/>
+                </a:solidFill>
+                <a:latin typeface="Consolas" panose="020B0609020204030204" pitchFamily="49" charset="0"/>
+              </a:rPr>
+              <a:t>True:</a:t>
+            </a:r>
+          </a:p>
+          <a:p>
+            <a:r>
+              <a:rPr lang="es-MX" dirty="0">
+                <a:latin typeface="Consolas" panose="020B0609020204030204" pitchFamily="49" charset="0"/>
+              </a:rPr>
+              <a:t>    </a:t>
+            </a:r>
+            <a:r>
+              <a:rPr lang="es-MX" i="1" dirty="0">
+                <a:latin typeface="Consolas" panose="020B0609020204030204" pitchFamily="49" charset="0"/>
+              </a:rPr>
+              <a:t>&lt;bloque&gt;</a:t>
+            </a:r>
+          </a:p>
+          <a:p>
+            <a:r>
+              <a:rPr lang="es-MX" i="1" dirty="0">
+                <a:latin typeface="Consolas" panose="020B0609020204030204" pitchFamily="49" charset="0"/>
+              </a:rPr>
+              <a:t>    </a:t>
+            </a:r>
+            <a:r>
+              <a:rPr lang="es-MX" dirty="0">
+                <a:latin typeface="Consolas" panose="020B0609020204030204" pitchFamily="49" charset="0"/>
+              </a:rPr>
+              <a:t>contador += 1</a:t>
+            </a:r>
+          </a:p>
+          <a:p>
+            <a:r>
+              <a:rPr lang="es-MX" i="1" dirty="0">
+                <a:latin typeface="Consolas" panose="020B0609020204030204" pitchFamily="49" charset="0"/>
+              </a:rPr>
+              <a:t>    </a:t>
+            </a:r>
+            <a:r>
+              <a:rPr lang="es-MX" dirty="0" err="1">
+                <a:latin typeface="Consolas" panose="020B0609020204030204" pitchFamily="49" charset="0"/>
+              </a:rPr>
+              <a:t>if</a:t>
+            </a:r>
+            <a:r>
+              <a:rPr lang="es-MX" dirty="0">
+                <a:latin typeface="Consolas" panose="020B0609020204030204" pitchFamily="49" charset="0"/>
+              </a:rPr>
+              <a:t> contador &gt; 10:</a:t>
+            </a:r>
+          </a:p>
+          <a:p>
+            <a:r>
+              <a:rPr lang="es-MX" i="1" dirty="0">
+                <a:latin typeface="Consolas" panose="020B0609020204030204" pitchFamily="49" charset="0"/>
+              </a:rPr>
+              <a:t>	</a:t>
+            </a:r>
+            <a:r>
+              <a:rPr lang="es-MX" dirty="0">
+                <a:solidFill>
+                  <a:srgbClr val="0070C0"/>
+                </a:solidFill>
+                <a:latin typeface="Consolas" panose="020B0609020204030204" pitchFamily="49" charset="0"/>
+              </a:rPr>
+              <a:t>break</a:t>
+            </a:r>
+          </a:p>
+          <a:p>
+            <a:r>
+              <a:rPr lang="es-MX" i="1" dirty="0">
+                <a:solidFill>
+                  <a:srgbClr val="FF0000"/>
+                </a:solidFill>
+                <a:latin typeface="Consolas" panose="020B0609020204030204" pitchFamily="49" charset="0"/>
+              </a:rPr>
+              <a:t>    </a:t>
+            </a:r>
+            <a:endParaRPr lang="es-MX" dirty="0">
+              <a:solidFill>
+                <a:srgbClr val="FF0000"/>
+              </a:solidFill>
+              <a:latin typeface="Consolas" panose="020B0609020204030204" pitchFamily="49" charset="0"/>
+            </a:endParaRPr>
+          </a:p>
+        </p:txBody>
+      </p:sp>
+    </p:spTree>
+    <p:extLst>
+      <p:ext uri="{BB962C8B-B14F-4D97-AF65-F5344CB8AC3E}">
+        <p14:creationId xmlns:p14="http://schemas.microsoft.com/office/powerpoint/2010/main" val="1117860200"/>
+      </p:ext>
+    </p:extLst>
+  </p:cSld>
+  <p:clrMapOvr>
+    <a:masterClrMapping/>
+  </p:clrMapOvr>
+</p:sld>
+</file>
+
+<file path=ppt/slides/slide12.xml><?xml version="1.0" encoding="utf-8"?>
+<p:sld xmlns:a="http://schemas.openxmlformats.org/drawingml/2006/main" xmlns:r="http://schemas.openxmlformats.org/officeDocument/2006/relationships" xmlns:p="http://schemas.openxmlformats.org/presentationml/2006/main">
+  <p:cSld>
+    <p:spTree>
+      <p:nvGrpSpPr>
+        <p:cNvPr id="1" name=""/>
+        <p:cNvGrpSpPr/>
+        <p:nvPr/>
+      </p:nvGrpSpPr>
+      <p:grpSpPr>
+        <a:xfrm>
+          <a:off x="0" y="0"/>
+          <a:ext cx="0" cy="0"/>
+          <a:chOff x="0" y="0"/>
+          <a:chExt cx="0" cy="0"/>
+        </a:xfrm>
+      </p:grpSpPr>
+      <p:sp>
+        <p:nvSpPr>
+          <p:cNvPr id="2" name="Título 1">
+            <a:extLst>
+              <a:ext uri="{FF2B5EF4-FFF2-40B4-BE49-F238E27FC236}">
+                <a16:creationId xmlns:a16="http://schemas.microsoft.com/office/drawing/2014/main" id="{672B2C86-95EE-4E32-8D2D-D1E82CBA23F9}"/>
+              </a:ext>
+            </a:extLst>
+          </p:cNvPr>
+          <p:cNvSpPr>
+            <a:spLocks noGrp="1"/>
+          </p:cNvSpPr>
+          <p:nvPr>
+            <p:ph type="title"/>
+          </p:nvPr>
+        </p:nvSpPr>
+        <p:spPr/>
+        <p:txBody>
+          <a:bodyPr/>
+          <a:lstStyle/>
+          <a:p>
+            <a:r>
+              <a:rPr lang="es-MX" dirty="0"/>
+              <a:t>Variables bandera</a:t>
+            </a:r>
+          </a:p>
+        </p:txBody>
+      </p:sp>
+      <p:sp>
+        <p:nvSpPr>
+          <p:cNvPr id="3" name="Marcador de contenido 2">
+            <a:extLst>
+              <a:ext uri="{FF2B5EF4-FFF2-40B4-BE49-F238E27FC236}">
+                <a16:creationId xmlns:a16="http://schemas.microsoft.com/office/drawing/2014/main" id="{FDD57081-60EE-4EDF-A93B-20C4484C0E72}"/>
+              </a:ext>
+            </a:extLst>
+          </p:cNvPr>
+          <p:cNvSpPr>
+            <a:spLocks noGrp="1"/>
+          </p:cNvSpPr>
+          <p:nvPr>
+            <p:ph idx="1"/>
+          </p:nvPr>
+        </p:nvSpPr>
+        <p:spPr/>
+        <p:txBody>
+          <a:bodyPr/>
+          <a:lstStyle/>
+          <a:p>
+            <a:r>
+              <a:rPr lang="es-MX" dirty="0"/>
+              <a:t>Es un patrón común de programación usar variables bandera (</a:t>
+            </a:r>
+            <a:r>
+              <a:rPr lang="es-MX" i="1" dirty="0" err="1"/>
+              <a:t>flag</a:t>
+            </a:r>
+            <a:r>
+              <a:rPr lang="es-MX" dirty="0"/>
+              <a:t> en inglés) para interrumpir un ciclo infinito.</a:t>
+            </a:r>
+          </a:p>
+        </p:txBody>
+      </p:sp>
+      <p:sp>
+        <p:nvSpPr>
+          <p:cNvPr id="4" name="Rectángulo 3">
+            <a:extLst>
+              <a:ext uri="{FF2B5EF4-FFF2-40B4-BE49-F238E27FC236}">
+                <a16:creationId xmlns:a16="http://schemas.microsoft.com/office/drawing/2014/main" id="{3DB6D737-7BA5-4C4F-8D44-FE64C82F85F9}"/>
+              </a:ext>
+            </a:extLst>
+          </p:cNvPr>
+          <p:cNvSpPr/>
+          <p:nvPr/>
+        </p:nvSpPr>
+        <p:spPr>
+          <a:xfrm>
+            <a:off x="2695662" y="3231507"/>
+            <a:ext cx="6096000" cy="2585323"/>
+          </a:xfrm>
+          <a:prstGeom prst="rect">
+            <a:avLst/>
+          </a:prstGeom>
+        </p:spPr>
+        <p:txBody>
+          <a:bodyPr>
+            <a:spAutoFit/>
+          </a:bodyPr>
+          <a:lstStyle/>
+          <a:p>
+            <a:r>
+              <a:rPr lang="es-MX" dirty="0">
+                <a:latin typeface="Consolas" panose="020B0609020204030204" pitchFamily="49" charset="0"/>
+              </a:rPr>
+              <a:t>active</a:t>
+            </a:r>
+            <a:r>
+              <a:rPr lang="es-MX" dirty="0">
+                <a:solidFill>
+                  <a:srgbClr val="0070C0"/>
+                </a:solidFill>
+                <a:latin typeface="Consolas" panose="020B0609020204030204" pitchFamily="49" charset="0"/>
+              </a:rPr>
+              <a:t> </a:t>
+            </a:r>
+            <a:r>
+              <a:rPr lang="es-MX" dirty="0">
+                <a:latin typeface="Consolas" panose="020B0609020204030204" pitchFamily="49" charset="0"/>
+              </a:rPr>
+              <a:t>=</a:t>
+            </a:r>
+            <a:r>
+              <a:rPr lang="es-MX" dirty="0">
+                <a:solidFill>
+                  <a:srgbClr val="0070C0"/>
+                </a:solidFill>
+                <a:latin typeface="Consolas" panose="020B0609020204030204" pitchFamily="49" charset="0"/>
+              </a:rPr>
+              <a:t> True</a:t>
+            </a:r>
+          </a:p>
+          <a:p>
+            <a:r>
+              <a:rPr lang="es-MX" dirty="0" err="1">
+                <a:solidFill>
+                  <a:srgbClr val="0070C0"/>
+                </a:solidFill>
+                <a:latin typeface="Consolas" panose="020B0609020204030204" pitchFamily="49" charset="0"/>
+              </a:rPr>
+              <a:t>while</a:t>
+            </a:r>
+            <a:r>
+              <a:rPr lang="es-MX" dirty="0">
+                <a:latin typeface="Consolas" panose="020B0609020204030204" pitchFamily="49" charset="0"/>
+              </a:rPr>
+              <a:t> active</a:t>
+            </a:r>
+            <a:r>
+              <a:rPr lang="es-MX" dirty="0">
+                <a:solidFill>
+                  <a:srgbClr val="0070C0"/>
+                </a:solidFill>
+                <a:latin typeface="Consolas" panose="020B0609020204030204" pitchFamily="49" charset="0"/>
+              </a:rPr>
+              <a:t>:</a:t>
+            </a:r>
+          </a:p>
+          <a:p>
+            <a:r>
+              <a:rPr lang="es-MX" dirty="0">
+                <a:latin typeface="Consolas" panose="020B0609020204030204" pitchFamily="49" charset="0"/>
+              </a:rPr>
+              <a:t>    </a:t>
+            </a:r>
+            <a:r>
+              <a:rPr lang="es-MX" dirty="0" err="1">
+                <a:latin typeface="Consolas" panose="020B0609020204030204" pitchFamily="49" charset="0"/>
+              </a:rPr>
+              <a:t>message</a:t>
+            </a:r>
+            <a:r>
+              <a:rPr lang="es-MX" dirty="0">
+                <a:latin typeface="Consolas" panose="020B0609020204030204" pitchFamily="49" charset="0"/>
+              </a:rPr>
+              <a:t> = </a:t>
+            </a:r>
+            <a:r>
+              <a:rPr lang="es-MX" dirty="0">
+                <a:solidFill>
+                  <a:srgbClr val="0070C0"/>
+                </a:solidFill>
+                <a:latin typeface="Consolas" panose="020B0609020204030204" pitchFamily="49" charset="0"/>
+              </a:rPr>
+              <a:t>input</a:t>
+            </a:r>
+            <a:r>
+              <a:rPr lang="es-MX" dirty="0">
+                <a:latin typeface="Consolas" panose="020B0609020204030204" pitchFamily="49" charset="0"/>
+              </a:rPr>
+              <a:t>(“Escribe algo y lo repito”)</a:t>
+            </a:r>
+          </a:p>
+          <a:p>
+            <a:r>
+              <a:rPr lang="es-MX" i="1" dirty="0">
+                <a:latin typeface="Consolas" panose="020B0609020204030204" pitchFamily="49" charset="0"/>
+              </a:rPr>
+              <a:t>    </a:t>
+            </a:r>
+            <a:endParaRPr lang="es-MX" dirty="0">
+              <a:latin typeface="Consolas" panose="020B0609020204030204" pitchFamily="49" charset="0"/>
+            </a:endParaRPr>
+          </a:p>
+          <a:p>
+            <a:r>
+              <a:rPr lang="es-MX" i="1" dirty="0">
+                <a:latin typeface="Consolas" panose="020B0609020204030204" pitchFamily="49" charset="0"/>
+              </a:rPr>
+              <a:t>    </a:t>
+            </a:r>
+            <a:r>
+              <a:rPr lang="es-MX" dirty="0" err="1">
+                <a:solidFill>
+                  <a:srgbClr val="0070C0"/>
+                </a:solidFill>
+                <a:latin typeface="Consolas" panose="020B0609020204030204" pitchFamily="49" charset="0"/>
+              </a:rPr>
+              <a:t>if</a:t>
+            </a:r>
+            <a:r>
+              <a:rPr lang="es-MX" dirty="0">
+                <a:latin typeface="Consolas" panose="020B0609020204030204" pitchFamily="49" charset="0"/>
+              </a:rPr>
+              <a:t> </a:t>
+            </a:r>
+            <a:r>
+              <a:rPr lang="es-MX" dirty="0" err="1">
+                <a:latin typeface="Consolas" panose="020B0609020204030204" pitchFamily="49" charset="0"/>
+              </a:rPr>
+              <a:t>message</a:t>
+            </a:r>
+            <a:r>
+              <a:rPr lang="es-MX" dirty="0">
+                <a:latin typeface="Consolas" panose="020B0609020204030204" pitchFamily="49" charset="0"/>
+              </a:rPr>
+              <a:t> == “salir”:</a:t>
+            </a:r>
+          </a:p>
+          <a:p>
+            <a:r>
+              <a:rPr lang="es-MX" i="1" dirty="0">
+                <a:latin typeface="Consolas" panose="020B0609020204030204" pitchFamily="49" charset="0"/>
+              </a:rPr>
+              <a:t>	</a:t>
+            </a:r>
+            <a:r>
+              <a:rPr lang="es-MX" dirty="0">
+                <a:latin typeface="Consolas" panose="020B0609020204030204" pitchFamily="49" charset="0"/>
+              </a:rPr>
+              <a:t>active</a:t>
+            </a:r>
+            <a:r>
+              <a:rPr lang="es-MX" dirty="0">
+                <a:solidFill>
+                  <a:srgbClr val="0070C0"/>
+                </a:solidFill>
+                <a:latin typeface="Consolas" panose="020B0609020204030204" pitchFamily="49" charset="0"/>
+              </a:rPr>
+              <a:t> </a:t>
+            </a:r>
+            <a:r>
+              <a:rPr lang="es-MX" dirty="0">
+                <a:latin typeface="Consolas" panose="020B0609020204030204" pitchFamily="49" charset="0"/>
+              </a:rPr>
+              <a:t>=</a:t>
+            </a:r>
+            <a:r>
+              <a:rPr lang="es-MX" dirty="0">
+                <a:solidFill>
+                  <a:srgbClr val="0070C0"/>
+                </a:solidFill>
+                <a:latin typeface="Consolas" panose="020B0609020204030204" pitchFamily="49" charset="0"/>
+              </a:rPr>
+              <a:t> False</a:t>
+            </a:r>
+          </a:p>
+          <a:p>
+            <a:r>
+              <a:rPr lang="es-MX" dirty="0">
+                <a:solidFill>
+                  <a:srgbClr val="0070C0"/>
+                </a:solidFill>
+                <a:latin typeface="Consolas" panose="020B0609020204030204" pitchFamily="49" charset="0"/>
+              </a:rPr>
+              <a:t>    </a:t>
+            </a:r>
+            <a:r>
+              <a:rPr lang="es-MX" dirty="0" err="1">
+                <a:solidFill>
+                  <a:srgbClr val="0070C0"/>
+                </a:solidFill>
+                <a:latin typeface="Consolas" panose="020B0609020204030204" pitchFamily="49" charset="0"/>
+              </a:rPr>
+              <a:t>else</a:t>
+            </a:r>
+            <a:r>
+              <a:rPr lang="es-MX" dirty="0">
+                <a:solidFill>
+                  <a:srgbClr val="0070C0"/>
+                </a:solidFill>
+                <a:latin typeface="Consolas" panose="020B0609020204030204" pitchFamily="49" charset="0"/>
+              </a:rPr>
+              <a:t>:</a:t>
+            </a:r>
+          </a:p>
+          <a:p>
+            <a:r>
+              <a:rPr lang="es-MX" dirty="0">
+                <a:solidFill>
+                  <a:srgbClr val="0070C0"/>
+                </a:solidFill>
+                <a:latin typeface="Consolas" panose="020B0609020204030204" pitchFamily="49" charset="0"/>
+              </a:rPr>
+              <a:t>       </a:t>
+            </a:r>
+            <a:r>
+              <a:rPr lang="es-MX" dirty="0" err="1">
+                <a:solidFill>
+                  <a:srgbClr val="0070C0"/>
+                </a:solidFill>
+                <a:latin typeface="Consolas" panose="020B0609020204030204" pitchFamily="49" charset="0"/>
+              </a:rPr>
+              <a:t>print</a:t>
+            </a:r>
+            <a:r>
+              <a:rPr lang="es-MX" dirty="0">
+                <a:latin typeface="Consolas" panose="020B0609020204030204" pitchFamily="49" charset="0"/>
+              </a:rPr>
+              <a:t>(</a:t>
+            </a:r>
+            <a:r>
+              <a:rPr lang="es-MX" dirty="0" err="1">
+                <a:latin typeface="Consolas" panose="020B0609020204030204" pitchFamily="49" charset="0"/>
+              </a:rPr>
+              <a:t>message</a:t>
+            </a:r>
+            <a:r>
+              <a:rPr lang="es-MX" dirty="0">
+                <a:latin typeface="Consolas" panose="020B0609020204030204" pitchFamily="49" charset="0"/>
+              </a:rPr>
+              <a:t>)  </a:t>
+            </a:r>
+          </a:p>
+          <a:p>
+            <a:r>
+              <a:rPr lang="es-MX" i="1" dirty="0">
+                <a:solidFill>
+                  <a:srgbClr val="FF0000"/>
+                </a:solidFill>
+                <a:latin typeface="Consolas" panose="020B0609020204030204" pitchFamily="49" charset="0"/>
+              </a:rPr>
+              <a:t>    </a:t>
+            </a:r>
+            <a:endParaRPr lang="es-MX" dirty="0">
+              <a:solidFill>
+                <a:srgbClr val="FF0000"/>
+              </a:solidFill>
+              <a:latin typeface="Consolas" panose="020B0609020204030204" pitchFamily="49" charset="0"/>
+            </a:endParaRPr>
+          </a:p>
+        </p:txBody>
+      </p:sp>
+    </p:spTree>
+    <p:extLst>
+      <p:ext uri="{BB962C8B-B14F-4D97-AF65-F5344CB8AC3E}">
+        <p14:creationId xmlns:p14="http://schemas.microsoft.com/office/powerpoint/2010/main" val="4235494994"/>
+      </p:ext>
+    </p:extLst>
+  </p:cSld>
+  <p:clrMapOvr>
+    <a:masterClrMapping/>
+  </p:clrMapOvr>
+</p:sld>
+</file>
+
+<file path=ppt/slides/slide13.xml><?xml version="1.0" encoding="utf-8"?>
+<p:sld xmlns:a="http://schemas.openxmlformats.org/drawingml/2006/main" xmlns:r="http://schemas.openxmlformats.org/officeDocument/2006/relationships" xmlns:p="http://schemas.openxmlformats.org/presentationml/2006/main">
+  <p:cSld>
+    <p:spTree>
+      <p:nvGrpSpPr>
+        <p:cNvPr id="1" name=""/>
+        <p:cNvGrpSpPr/>
+        <p:nvPr/>
+      </p:nvGrpSpPr>
+      <p:grpSpPr>
+        <a:xfrm>
+          <a:off x="0" y="0"/>
+          <a:ext cx="0" cy="0"/>
+          <a:chOff x="0" y="0"/>
+          <a:chExt cx="0" cy="0"/>
+        </a:xfrm>
+      </p:grpSpPr>
+      <p:sp>
+        <p:nvSpPr>
+          <p:cNvPr id="2" name="Título 1">
+            <a:extLst>
+              <a:ext uri="{FF2B5EF4-FFF2-40B4-BE49-F238E27FC236}">
+                <a16:creationId xmlns:a16="http://schemas.microsoft.com/office/drawing/2014/main" id="{00680984-D998-49CF-9F4B-4293A92AA2E3}"/>
+              </a:ext>
+            </a:extLst>
+          </p:cNvPr>
+          <p:cNvSpPr>
+            <a:spLocks noGrp="1"/>
+          </p:cNvSpPr>
+          <p:nvPr>
+            <p:ph type="title"/>
+          </p:nvPr>
+        </p:nvSpPr>
+        <p:spPr/>
+        <p:txBody>
+          <a:bodyPr/>
+          <a:lstStyle/>
+          <a:p>
+            <a:r>
+              <a:rPr lang="es-MX" dirty="0"/>
+              <a:t>Palabra reservada </a:t>
+            </a:r>
+            <a:r>
+              <a:rPr lang="es-MX" dirty="0" err="1">
+                <a:solidFill>
+                  <a:srgbClr val="0070C0"/>
+                </a:solidFill>
+                <a:latin typeface="Consolas" panose="020B0609020204030204" pitchFamily="49" charset="0"/>
+                <a:ea typeface="+mn-ea"/>
+                <a:cs typeface="+mn-cs"/>
+              </a:rPr>
+              <a:t>continue</a:t>
+            </a:r>
+            <a:endParaRPr lang="es-MX" sz="1800" dirty="0">
+              <a:solidFill>
+                <a:srgbClr val="0070C0"/>
+              </a:solidFill>
+              <a:latin typeface="Consolas" panose="020B0609020204030204" pitchFamily="49" charset="0"/>
+              <a:ea typeface="+mn-ea"/>
+              <a:cs typeface="+mn-cs"/>
+            </a:endParaRPr>
+          </a:p>
+        </p:txBody>
+      </p:sp>
+      <p:sp>
+        <p:nvSpPr>
+          <p:cNvPr id="3" name="Marcador de contenido 2">
+            <a:extLst>
+              <a:ext uri="{FF2B5EF4-FFF2-40B4-BE49-F238E27FC236}">
+                <a16:creationId xmlns:a16="http://schemas.microsoft.com/office/drawing/2014/main" id="{27A484FE-ABE6-488C-ABCA-F32D2FDEE687}"/>
+              </a:ext>
+            </a:extLst>
+          </p:cNvPr>
+          <p:cNvSpPr>
+            <a:spLocks noGrp="1"/>
+          </p:cNvSpPr>
+          <p:nvPr>
+            <p:ph idx="1"/>
+          </p:nvPr>
+        </p:nvSpPr>
+        <p:spPr/>
+        <p:txBody>
+          <a:bodyPr>
+            <a:normAutofit/>
+          </a:bodyPr>
+          <a:lstStyle/>
+          <a:p>
+            <a:r>
+              <a:rPr lang="es-MX" dirty="0"/>
+              <a:t>Por último, la palabra reservada </a:t>
+            </a:r>
+            <a:r>
+              <a:rPr lang="es-MX" dirty="0" err="1">
+                <a:solidFill>
+                  <a:srgbClr val="0070C0"/>
+                </a:solidFill>
+                <a:latin typeface="Consolas" panose="020B0609020204030204" pitchFamily="49" charset="0"/>
+              </a:rPr>
+              <a:t>continue</a:t>
+            </a:r>
+            <a:r>
+              <a:rPr lang="es-MX" dirty="0"/>
+              <a:t> puede usarse con un condicional para retomar el ciclo desde la primera instrucción en lugar de romper (</a:t>
+            </a:r>
+            <a:r>
+              <a:rPr lang="es-MX" dirty="0">
+                <a:solidFill>
+                  <a:srgbClr val="0070C0"/>
+                </a:solidFill>
+                <a:latin typeface="Consolas" panose="020B0609020204030204" pitchFamily="49" charset="0"/>
+              </a:rPr>
+              <a:t>break</a:t>
+            </a:r>
+            <a:r>
+              <a:rPr lang="es-MX" dirty="0"/>
+              <a:t>) por completo el ciclo.</a:t>
+            </a:r>
+          </a:p>
+        </p:txBody>
+      </p:sp>
+      <p:sp>
+        <p:nvSpPr>
+          <p:cNvPr id="4" name="Rectángulo 3">
+            <a:extLst>
+              <a:ext uri="{FF2B5EF4-FFF2-40B4-BE49-F238E27FC236}">
+                <a16:creationId xmlns:a16="http://schemas.microsoft.com/office/drawing/2014/main" id="{4DD34369-02B9-412A-B812-981116FC7431}"/>
+              </a:ext>
+            </a:extLst>
+          </p:cNvPr>
+          <p:cNvSpPr/>
+          <p:nvPr/>
+        </p:nvSpPr>
+        <p:spPr>
+          <a:xfrm>
+            <a:off x="2779552" y="4321482"/>
+            <a:ext cx="6096000" cy="1754326"/>
+          </a:xfrm>
+          <a:prstGeom prst="rect">
+            <a:avLst/>
+          </a:prstGeom>
+        </p:spPr>
+        <p:txBody>
+          <a:bodyPr>
+            <a:spAutoFit/>
+          </a:bodyPr>
+          <a:lstStyle/>
+          <a:p>
+            <a:r>
+              <a:rPr lang="es-MX" dirty="0" err="1">
+                <a:solidFill>
+                  <a:srgbClr val="0070C0"/>
+                </a:solidFill>
+                <a:latin typeface="Consolas" panose="020B0609020204030204" pitchFamily="49" charset="0"/>
+              </a:rPr>
+              <a:t>while</a:t>
+            </a:r>
+            <a:r>
+              <a:rPr lang="es-MX" dirty="0">
+                <a:latin typeface="Consolas" panose="020B0609020204030204" pitchFamily="49" charset="0"/>
+              </a:rPr>
+              <a:t> condicion1</a:t>
+            </a:r>
+            <a:r>
+              <a:rPr lang="es-MX" dirty="0">
+                <a:solidFill>
+                  <a:srgbClr val="0070C0"/>
+                </a:solidFill>
+                <a:latin typeface="Consolas" panose="020B0609020204030204" pitchFamily="49" charset="0"/>
+              </a:rPr>
+              <a:t>:</a:t>
+            </a:r>
+          </a:p>
+          <a:p>
+            <a:r>
+              <a:rPr lang="es-MX" dirty="0">
+                <a:solidFill>
+                  <a:srgbClr val="0070C0"/>
+                </a:solidFill>
+                <a:latin typeface="Consolas" panose="020B0609020204030204" pitchFamily="49" charset="0"/>
+              </a:rPr>
+              <a:t>    </a:t>
+            </a:r>
+            <a:r>
+              <a:rPr lang="es-MX" i="1" dirty="0">
+                <a:latin typeface="Consolas" panose="020B0609020204030204" pitchFamily="49" charset="0"/>
+              </a:rPr>
+              <a:t>&lt;bloque1&gt;</a:t>
+            </a:r>
+          </a:p>
+          <a:p>
+            <a:r>
+              <a:rPr lang="es-MX" dirty="0">
+                <a:solidFill>
+                  <a:srgbClr val="0070C0"/>
+                </a:solidFill>
+                <a:latin typeface="Consolas" panose="020B0609020204030204" pitchFamily="49" charset="0"/>
+              </a:rPr>
+              <a:t>    </a:t>
+            </a:r>
+            <a:r>
+              <a:rPr lang="es-MX" dirty="0" err="1">
+                <a:solidFill>
+                  <a:srgbClr val="0070C0"/>
+                </a:solidFill>
+                <a:latin typeface="Consolas" panose="020B0609020204030204" pitchFamily="49" charset="0"/>
+              </a:rPr>
+              <a:t>if</a:t>
+            </a:r>
+            <a:r>
+              <a:rPr lang="es-MX" dirty="0">
+                <a:latin typeface="Consolas" panose="020B0609020204030204" pitchFamily="49" charset="0"/>
+              </a:rPr>
+              <a:t> condicion2:</a:t>
+            </a:r>
+          </a:p>
+          <a:p>
+            <a:r>
+              <a:rPr lang="es-MX" i="1" dirty="0">
+                <a:latin typeface="Consolas" panose="020B0609020204030204" pitchFamily="49" charset="0"/>
+              </a:rPr>
+              <a:t>	</a:t>
+            </a:r>
+            <a:r>
+              <a:rPr lang="es-MX" dirty="0" err="1">
+                <a:solidFill>
+                  <a:srgbClr val="0070C0"/>
+                </a:solidFill>
+                <a:latin typeface="Consolas" panose="020B0609020204030204" pitchFamily="49" charset="0"/>
+              </a:rPr>
+              <a:t>continue</a:t>
+            </a:r>
+            <a:endParaRPr lang="es-MX" dirty="0">
+              <a:solidFill>
+                <a:srgbClr val="0070C0"/>
+              </a:solidFill>
+              <a:latin typeface="Consolas" panose="020B0609020204030204" pitchFamily="49" charset="0"/>
+            </a:endParaRPr>
+          </a:p>
+          <a:p>
+            <a:r>
+              <a:rPr lang="es-MX" i="1">
+                <a:solidFill>
+                  <a:srgbClr val="0070C0"/>
+                </a:solidFill>
+                <a:latin typeface="Consolas" panose="020B0609020204030204" pitchFamily="49" charset="0"/>
+              </a:rPr>
+              <a:t>    </a:t>
+            </a:r>
+            <a:r>
+              <a:rPr lang="es-MX" i="1">
+                <a:latin typeface="Consolas" panose="020B0609020204030204" pitchFamily="49" charset="0"/>
+              </a:rPr>
+              <a:t>&lt;bloque2&gt;</a:t>
+            </a:r>
+            <a:endParaRPr lang="es-MX" i="1" dirty="0">
+              <a:solidFill>
+                <a:srgbClr val="FF0000"/>
+              </a:solidFill>
+              <a:latin typeface="Consolas" panose="020B0609020204030204" pitchFamily="49" charset="0"/>
+            </a:endParaRPr>
+          </a:p>
+          <a:p>
+            <a:r>
+              <a:rPr lang="es-MX" i="1" dirty="0">
+                <a:solidFill>
+                  <a:srgbClr val="FF0000"/>
+                </a:solidFill>
+                <a:latin typeface="Consolas" panose="020B0609020204030204" pitchFamily="49" charset="0"/>
+              </a:rPr>
+              <a:t>	   </a:t>
+            </a:r>
+            <a:endParaRPr lang="es-MX" dirty="0">
+              <a:solidFill>
+                <a:srgbClr val="FF0000"/>
+              </a:solidFill>
+              <a:latin typeface="Consolas" panose="020B0609020204030204" pitchFamily="49" charset="0"/>
+            </a:endParaRPr>
+          </a:p>
+        </p:txBody>
+      </p:sp>
+    </p:spTree>
+    <p:extLst>
+      <p:ext uri="{BB962C8B-B14F-4D97-AF65-F5344CB8AC3E}">
+        <p14:creationId xmlns:p14="http://schemas.microsoft.com/office/powerpoint/2010/main" val="2314548906"/>
+      </p:ext>
+    </p:extLst>
+  </p:cSld>
+  <p:clrMapOvr>
+    <a:masterClrMapping/>
+  </p:clrMapOvr>
+</p:sld>
+</file>
+
+<file path=ppt/slides/slide14.xml><?xml version="1.0" encoding="utf-8"?>
+<p:sld xmlns:a="http://schemas.openxmlformats.org/drawingml/2006/main" xmlns:r="http://schemas.openxmlformats.org/officeDocument/2006/relationships" xmlns:p="http://schemas.openxmlformats.org/presentationml/2006/main">
+  <p:cSld>
+    <p:spTree>
+      <p:nvGrpSpPr>
+        <p:cNvPr id="1" name=""/>
+        <p:cNvGrpSpPr/>
+        <p:nvPr/>
+      </p:nvGrpSpPr>
+      <p:grpSpPr>
+        <a:xfrm>
+          <a:off x="0" y="0"/>
+          <a:ext cx="0" cy="0"/>
+          <a:chOff x="0" y="0"/>
+          <a:chExt cx="0" cy="0"/>
+        </a:xfrm>
+      </p:grpSpPr>
+      <p:sp>
+        <p:nvSpPr>
+          <p:cNvPr id="2" name="Título 1">
+            <a:extLst>
+              <a:ext uri="{FF2B5EF4-FFF2-40B4-BE49-F238E27FC236}">
+                <a16:creationId xmlns:a16="http://schemas.microsoft.com/office/drawing/2014/main" id="{10987BD1-F40E-4A11-911A-4D7A2A627C41}"/>
+              </a:ext>
+            </a:extLst>
+          </p:cNvPr>
+          <p:cNvSpPr>
+            <a:spLocks noGrp="1"/>
+          </p:cNvSpPr>
+          <p:nvPr>
+            <p:ph type="title"/>
+          </p:nvPr>
+        </p:nvSpPr>
+        <p:spPr/>
+        <p:txBody>
+          <a:bodyPr/>
+          <a:lstStyle/>
+          <a:p>
+            <a:r>
+              <a:rPr lang="es-MX" dirty="0"/>
+              <a:t>Ejercicio 05-05</a:t>
+            </a:r>
+          </a:p>
+        </p:txBody>
+      </p:sp>
+      <p:sp>
+        <p:nvSpPr>
+          <p:cNvPr id="3" name="Marcador de contenido 2">
+            <a:extLst>
+              <a:ext uri="{FF2B5EF4-FFF2-40B4-BE49-F238E27FC236}">
+                <a16:creationId xmlns:a16="http://schemas.microsoft.com/office/drawing/2014/main" id="{3CA0F83F-61C9-4069-927D-4FD7FC7A0768}"/>
+              </a:ext>
+            </a:extLst>
+          </p:cNvPr>
+          <p:cNvSpPr>
+            <a:spLocks noGrp="1"/>
+          </p:cNvSpPr>
+          <p:nvPr>
+            <p:ph idx="1"/>
+          </p:nvPr>
+        </p:nvSpPr>
+        <p:spPr/>
+        <p:txBody>
+          <a:bodyPr/>
+          <a:lstStyle/>
+          <a:p>
+            <a:endParaRPr lang="es-MX" dirty="0"/>
+          </a:p>
+        </p:txBody>
+      </p:sp>
+    </p:spTree>
+    <p:extLst>
+      <p:ext uri="{BB962C8B-B14F-4D97-AF65-F5344CB8AC3E}">
+        <p14:creationId xmlns:p14="http://schemas.microsoft.com/office/powerpoint/2010/main" val="2287185730"/>
+      </p:ext>
+    </p:extLst>
+  </p:cSld>
+  <p:clrMapOvr>
+    <a:masterClrMapping/>
+  </p:clrMapOvr>
+</p:sld>
+</file>
+
 <file path=ppt/slides/slide2.xml><?xml version="1.0" encoding="utf-8"?>
 <p:sld xmlns:a="http://schemas.openxmlformats.org/drawingml/2006/main" xmlns:r="http://schemas.openxmlformats.org/officeDocument/2006/relationships" xmlns:p="http://schemas.openxmlformats.org/presentationml/2006/main">
   <p:cSld>
@@ -3531,7 +4711,7 @@
             </a:pPr>
             <a:r>
               <a:rPr lang="es-MX" dirty="0"/>
-              <a:t>Si no, nuevo valor promediando g y g/x</a:t>
+              <a:t>Si no, nuevo valor promediando g y x/g</a:t>
             </a:r>
           </a:p>
           <a:p>
@@ -3585,7 +4765,7 @@
           <p:cNvPr id="2" name="Título 1">
             <a:extLst>
               <a:ext uri="{FF2B5EF4-FFF2-40B4-BE49-F238E27FC236}">
-                <a16:creationId xmlns:a16="http://schemas.microsoft.com/office/drawing/2014/main" id="{4FB234B5-698D-45AA-9A93-2D5CA78A2F9D}"/>
+                <a16:creationId xmlns:a16="http://schemas.microsoft.com/office/drawing/2014/main" id="{80715C6B-8A41-458B-981E-AED711CF3963}"/>
               </a:ext>
             </a:extLst>
           </p:cNvPr>
@@ -3601,7 +4781,7 @@
           <a:bodyPr/>
           <a:lstStyle/>
           <a:p>
-            <a:endParaRPr lang="es-MX"/>
+            <a:endParaRPr lang="es-MX" dirty="0"/>
           </a:p>
         </p:txBody>
       </p:sp>
@@ -3610,7 +4790,7 @@
           <p:cNvPr id="3" name="Marcador de contenido 2">
             <a:extLst>
               <a:ext uri="{FF2B5EF4-FFF2-40B4-BE49-F238E27FC236}">
-                <a16:creationId xmlns:a16="http://schemas.microsoft.com/office/drawing/2014/main" id="{831E3300-77DC-460B-9818-F05DD81C5DD1}"/>
+                <a16:creationId xmlns:a16="http://schemas.microsoft.com/office/drawing/2014/main" id="{905B14AC-C264-467E-B797-36EB353722A5}"/>
               </a:ext>
             </a:extLst>
           </p:cNvPr>
@@ -3626,14 +4806,958 @@
           <a:bodyPr/>
           <a:lstStyle/>
           <a:p>
-            <a:endParaRPr lang="es-MX"/>
+            <a:r>
+              <a:rPr lang="es-MX" dirty="0"/>
+              <a:t>Siguiendo el algoritmo babilónico, encuentra la raíz de 26 teniendo 5 como valor inicial y una tolerancia de 0.01.</a:t>
+            </a:r>
+          </a:p>
+          <a:p>
+            <a:endParaRPr lang="es-MX" dirty="0"/>
           </a:p>
         </p:txBody>
       </p:sp>
     </p:spTree>
     <p:extLst>
       <p:ext uri="{BB962C8B-B14F-4D97-AF65-F5344CB8AC3E}">
-        <p14:creationId xmlns:p14="http://schemas.microsoft.com/office/powerpoint/2010/main" val="2323662528"/>
+        <p14:creationId xmlns:p14="http://schemas.microsoft.com/office/powerpoint/2010/main" val="1273430615"/>
+      </p:ext>
+    </p:extLst>
+  </p:cSld>
+  <p:clrMapOvr>
+    <a:masterClrMapping/>
+  </p:clrMapOvr>
+</p:sld>
+</file>
+
+<file path=ppt/slides/slide4.xml><?xml version="1.0" encoding="utf-8"?>
+<p:sld xmlns:a="http://schemas.openxmlformats.org/drawingml/2006/main" xmlns:r="http://schemas.openxmlformats.org/officeDocument/2006/relationships" xmlns:p="http://schemas.openxmlformats.org/presentationml/2006/main">
+  <p:cSld>
+    <p:spTree>
+      <p:nvGrpSpPr>
+        <p:cNvPr id="1" name=""/>
+        <p:cNvGrpSpPr/>
+        <p:nvPr/>
+      </p:nvGrpSpPr>
+      <p:grpSpPr>
+        <a:xfrm>
+          <a:off x="0" y="0"/>
+          <a:ext cx="0" cy="0"/>
+          <a:chOff x="0" y="0"/>
+          <a:chExt cx="0" cy="0"/>
+        </a:xfrm>
+      </p:grpSpPr>
+      <p:sp>
+        <p:nvSpPr>
+          <p:cNvPr id="2" name="Título 1">
+            <a:extLst>
+              <a:ext uri="{FF2B5EF4-FFF2-40B4-BE49-F238E27FC236}">
+                <a16:creationId xmlns:a16="http://schemas.microsoft.com/office/drawing/2014/main" id="{41891916-0FFE-4427-8DD5-4D4D96E50FFC}"/>
+              </a:ext>
+            </a:extLst>
+          </p:cNvPr>
+          <p:cNvSpPr>
+            <a:spLocks noGrp="1"/>
+          </p:cNvSpPr>
+          <p:nvPr>
+            <p:ph type="title"/>
+          </p:nvPr>
+        </p:nvSpPr>
+        <p:spPr/>
+        <p:txBody>
+          <a:bodyPr/>
+          <a:lstStyle/>
+          <a:p>
+            <a:r>
+              <a:rPr lang="es-MX" dirty="0"/>
+              <a:t>Ciclos en programación</a:t>
+            </a:r>
+          </a:p>
+        </p:txBody>
+      </p:sp>
+      <p:sp>
+        <p:nvSpPr>
+          <p:cNvPr id="3" name="Marcador de contenido 2">
+            <a:extLst>
+              <a:ext uri="{FF2B5EF4-FFF2-40B4-BE49-F238E27FC236}">
+                <a16:creationId xmlns:a16="http://schemas.microsoft.com/office/drawing/2014/main" id="{93AEA238-8BA6-4121-8548-446E9D0C3F58}"/>
+              </a:ext>
+            </a:extLst>
+          </p:cNvPr>
+          <p:cNvSpPr>
+            <a:spLocks noGrp="1"/>
+          </p:cNvSpPr>
+          <p:nvPr>
+            <p:ph idx="1"/>
+          </p:nvPr>
+        </p:nvSpPr>
+        <p:spPr/>
+        <p:txBody>
+          <a:bodyPr>
+            <a:normAutofit/>
+          </a:bodyPr>
+          <a:lstStyle/>
+          <a:p>
+            <a:r>
+              <a:rPr lang="es-MX" sz="3200" dirty="0"/>
+              <a:t>La palabra reservada</a:t>
+            </a:r>
+            <a:r>
+              <a:rPr lang="es-MX" sz="3200" dirty="0">
+                <a:solidFill>
+                  <a:srgbClr val="0070C0"/>
+                </a:solidFill>
+                <a:latin typeface="Consolas" panose="020B0609020204030204" pitchFamily="49" charset="0"/>
+              </a:rPr>
+              <a:t> </a:t>
+            </a:r>
+            <a:r>
+              <a:rPr lang="es-MX" sz="3200" dirty="0" err="1">
+                <a:solidFill>
+                  <a:srgbClr val="0070C0"/>
+                </a:solidFill>
+                <a:latin typeface="Consolas" panose="020B0609020204030204" pitchFamily="49" charset="0"/>
+              </a:rPr>
+              <a:t>while</a:t>
+            </a:r>
+            <a:r>
+              <a:rPr lang="es-MX" sz="3200" dirty="0">
+                <a:solidFill>
+                  <a:srgbClr val="0070C0"/>
+                </a:solidFill>
+                <a:latin typeface="Consolas" panose="020B0609020204030204" pitchFamily="49" charset="0"/>
+              </a:rPr>
+              <a:t> </a:t>
+            </a:r>
+            <a:r>
+              <a:rPr lang="es-MX" sz="3200" dirty="0"/>
+              <a:t>nos permite ejecutar un bloque de código </a:t>
+            </a:r>
+            <a:r>
+              <a:rPr lang="es-MX" sz="3200" i="1" dirty="0"/>
+              <a:t>mientras</a:t>
+            </a:r>
+            <a:r>
+              <a:rPr lang="es-MX" sz="3200" dirty="0"/>
+              <a:t> una expresión lógica es verdadera.</a:t>
+            </a:r>
+          </a:p>
+          <a:p>
+            <a:pPr marL="0" indent="0">
+              <a:buNone/>
+            </a:pPr>
+            <a:endParaRPr lang="es-MX" sz="3200" dirty="0"/>
+          </a:p>
+          <a:p>
+            <a:pPr marL="0" indent="0">
+              <a:buNone/>
+            </a:pPr>
+            <a:endParaRPr lang="es-MX" sz="3200" dirty="0"/>
+          </a:p>
+        </p:txBody>
+      </p:sp>
+      <p:sp>
+        <p:nvSpPr>
+          <p:cNvPr id="4" name="CuadroTexto 3">
+            <a:extLst>
+              <a:ext uri="{FF2B5EF4-FFF2-40B4-BE49-F238E27FC236}">
+                <a16:creationId xmlns:a16="http://schemas.microsoft.com/office/drawing/2014/main" id="{41B1E688-FB65-4BA1-B24B-60623A95553E}"/>
+              </a:ext>
+            </a:extLst>
+          </p:cNvPr>
+          <p:cNvSpPr txBox="1"/>
+          <p:nvPr/>
+        </p:nvSpPr>
+        <p:spPr>
+          <a:xfrm>
+            <a:off x="3696223" y="3709086"/>
+            <a:ext cx="5181600" cy="954107"/>
+          </a:xfrm>
+          <a:prstGeom prst="rect">
+            <a:avLst/>
+          </a:prstGeom>
+          <a:noFill/>
+        </p:spPr>
+        <p:txBody>
+          <a:bodyPr wrap="square" rtlCol="0">
+            <a:spAutoFit/>
+          </a:bodyPr>
+          <a:lstStyle/>
+          <a:p>
+            <a:r>
+              <a:rPr lang="es-MX" sz="2800" dirty="0" err="1">
+                <a:solidFill>
+                  <a:srgbClr val="0070C0"/>
+                </a:solidFill>
+                <a:latin typeface="Consolas" panose="020B0609020204030204" pitchFamily="49" charset="0"/>
+              </a:rPr>
+              <a:t>while</a:t>
+            </a:r>
+            <a:r>
+              <a:rPr lang="es-MX" sz="2800" dirty="0">
+                <a:latin typeface="Consolas" panose="020B0609020204030204" pitchFamily="49" charset="0"/>
+              </a:rPr>
+              <a:t> condición</a:t>
+            </a:r>
+            <a:r>
+              <a:rPr lang="es-MX" sz="2800" dirty="0">
+                <a:solidFill>
+                  <a:srgbClr val="0070C0"/>
+                </a:solidFill>
+                <a:latin typeface="Consolas" panose="020B0609020204030204" pitchFamily="49" charset="0"/>
+              </a:rPr>
+              <a:t>:</a:t>
+            </a:r>
+          </a:p>
+          <a:p>
+            <a:r>
+              <a:rPr lang="es-MX" sz="2800" dirty="0">
+                <a:latin typeface="Consolas" panose="020B0609020204030204" pitchFamily="49" charset="0"/>
+              </a:rPr>
+              <a:t>    </a:t>
+            </a:r>
+            <a:r>
+              <a:rPr lang="es-MX" sz="2800" i="1" dirty="0">
+                <a:latin typeface="Consolas" panose="020B0609020204030204" pitchFamily="49" charset="0"/>
+              </a:rPr>
+              <a:t>&lt;bloque&gt;</a:t>
+            </a:r>
+            <a:endParaRPr lang="es-MX" sz="2800" dirty="0">
+              <a:latin typeface="Consolas" panose="020B0609020204030204" pitchFamily="49" charset="0"/>
+            </a:endParaRPr>
+          </a:p>
+        </p:txBody>
+      </p:sp>
+    </p:spTree>
+    <p:extLst>
+      <p:ext uri="{BB962C8B-B14F-4D97-AF65-F5344CB8AC3E}">
+        <p14:creationId xmlns:p14="http://schemas.microsoft.com/office/powerpoint/2010/main" val="3659730442"/>
+      </p:ext>
+    </p:extLst>
+  </p:cSld>
+  <p:clrMapOvr>
+    <a:masterClrMapping/>
+  </p:clrMapOvr>
+</p:sld>
+</file>
+
+<file path=ppt/slides/slide5.xml><?xml version="1.0" encoding="utf-8"?>
+<p:sld xmlns:a="http://schemas.openxmlformats.org/drawingml/2006/main" xmlns:r="http://schemas.openxmlformats.org/officeDocument/2006/relationships" xmlns:p="http://schemas.openxmlformats.org/presentationml/2006/main">
+  <p:cSld>
+    <p:spTree>
+      <p:nvGrpSpPr>
+        <p:cNvPr id="1" name=""/>
+        <p:cNvGrpSpPr/>
+        <p:nvPr/>
+      </p:nvGrpSpPr>
+      <p:grpSpPr>
+        <a:xfrm>
+          <a:off x="0" y="0"/>
+          <a:ext cx="0" cy="0"/>
+          <a:chOff x="0" y="0"/>
+          <a:chExt cx="0" cy="0"/>
+        </a:xfrm>
+      </p:grpSpPr>
+      <p:sp>
+        <p:nvSpPr>
+          <p:cNvPr id="2" name="Título 1">
+            <a:extLst>
+              <a:ext uri="{FF2B5EF4-FFF2-40B4-BE49-F238E27FC236}">
+                <a16:creationId xmlns:a16="http://schemas.microsoft.com/office/drawing/2014/main" id="{78C42EA8-9109-4787-8ECD-437A8B28A4D0}"/>
+              </a:ext>
+            </a:extLst>
+          </p:cNvPr>
+          <p:cNvSpPr>
+            <a:spLocks noGrp="1"/>
+          </p:cNvSpPr>
+          <p:nvPr>
+            <p:ph type="title"/>
+          </p:nvPr>
+        </p:nvSpPr>
+        <p:spPr/>
+        <p:txBody>
+          <a:bodyPr/>
+          <a:lstStyle/>
+          <a:p>
+            <a:r>
+              <a:rPr lang="es-MX" dirty="0"/>
+              <a:t>Ejercicio 05-01</a:t>
+            </a:r>
+          </a:p>
+        </p:txBody>
+      </p:sp>
+      <p:sp>
+        <p:nvSpPr>
+          <p:cNvPr id="3" name="Marcador de contenido 2">
+            <a:extLst>
+              <a:ext uri="{FF2B5EF4-FFF2-40B4-BE49-F238E27FC236}">
+                <a16:creationId xmlns:a16="http://schemas.microsoft.com/office/drawing/2014/main" id="{953B6FF9-1D14-47E1-999C-4CB2ED305852}"/>
+              </a:ext>
+            </a:extLst>
+          </p:cNvPr>
+          <p:cNvSpPr>
+            <a:spLocks noGrp="1"/>
+          </p:cNvSpPr>
+          <p:nvPr>
+            <p:ph idx="1"/>
+          </p:nvPr>
+        </p:nvSpPr>
+        <p:spPr/>
+        <p:txBody>
+          <a:bodyPr/>
+          <a:lstStyle/>
+          <a:p>
+            <a:pPr marL="0" indent="0">
+              <a:buNone/>
+            </a:pPr>
+            <a:endParaRPr lang="es-MX" dirty="0"/>
+          </a:p>
+        </p:txBody>
+      </p:sp>
+    </p:spTree>
+    <p:extLst>
+      <p:ext uri="{BB962C8B-B14F-4D97-AF65-F5344CB8AC3E}">
+        <p14:creationId xmlns:p14="http://schemas.microsoft.com/office/powerpoint/2010/main" val="369960225"/>
+      </p:ext>
+    </p:extLst>
+  </p:cSld>
+  <p:clrMapOvr>
+    <a:masterClrMapping/>
+  </p:clrMapOvr>
+</p:sld>
+</file>
+
+<file path=ppt/slides/slide6.xml><?xml version="1.0" encoding="utf-8"?>
+<p:sld xmlns:a="http://schemas.openxmlformats.org/drawingml/2006/main" xmlns:r="http://schemas.openxmlformats.org/officeDocument/2006/relationships" xmlns:p="http://schemas.openxmlformats.org/presentationml/2006/main">
+  <p:cSld>
+    <p:spTree>
+      <p:nvGrpSpPr>
+        <p:cNvPr id="1" name=""/>
+        <p:cNvGrpSpPr/>
+        <p:nvPr/>
+      </p:nvGrpSpPr>
+      <p:grpSpPr>
+        <a:xfrm>
+          <a:off x="0" y="0"/>
+          <a:ext cx="0" cy="0"/>
+          <a:chOff x="0" y="0"/>
+          <a:chExt cx="0" cy="0"/>
+        </a:xfrm>
+      </p:grpSpPr>
+      <p:sp>
+        <p:nvSpPr>
+          <p:cNvPr id="2" name="Título 1">
+            <a:extLst>
+              <a:ext uri="{FF2B5EF4-FFF2-40B4-BE49-F238E27FC236}">
+                <a16:creationId xmlns:a16="http://schemas.microsoft.com/office/drawing/2014/main" id="{B4EC6F3A-51C3-4F4A-AD07-BD9307D39F8D}"/>
+              </a:ext>
+            </a:extLst>
+          </p:cNvPr>
+          <p:cNvSpPr>
+            <a:spLocks noGrp="1"/>
+          </p:cNvSpPr>
+          <p:nvPr>
+            <p:ph type="title"/>
+          </p:nvPr>
+        </p:nvSpPr>
+        <p:spPr/>
+        <p:txBody>
+          <a:bodyPr/>
+          <a:lstStyle/>
+          <a:p>
+            <a:r>
+              <a:rPr lang="es-MX" dirty="0"/>
+              <a:t>Ejercicio 05-02</a:t>
+            </a:r>
+          </a:p>
+        </p:txBody>
+      </p:sp>
+      <p:sp>
+        <p:nvSpPr>
+          <p:cNvPr id="3" name="Marcador de contenido 2">
+            <a:extLst>
+              <a:ext uri="{FF2B5EF4-FFF2-40B4-BE49-F238E27FC236}">
+                <a16:creationId xmlns:a16="http://schemas.microsoft.com/office/drawing/2014/main" id="{A86C870F-BF81-41E8-A0EE-644EBD07F545}"/>
+              </a:ext>
+            </a:extLst>
+          </p:cNvPr>
+          <p:cNvSpPr>
+            <a:spLocks noGrp="1"/>
+          </p:cNvSpPr>
+          <p:nvPr>
+            <p:ph idx="1"/>
+          </p:nvPr>
+        </p:nvSpPr>
+        <p:spPr/>
+        <p:txBody>
+          <a:bodyPr/>
+          <a:lstStyle/>
+          <a:p>
+            <a:endParaRPr lang="es-MX" dirty="0"/>
+          </a:p>
+        </p:txBody>
+      </p:sp>
+    </p:spTree>
+    <p:extLst>
+      <p:ext uri="{BB962C8B-B14F-4D97-AF65-F5344CB8AC3E}">
+        <p14:creationId xmlns:p14="http://schemas.microsoft.com/office/powerpoint/2010/main" val="4181231392"/>
+      </p:ext>
+    </p:extLst>
+  </p:cSld>
+  <p:clrMapOvr>
+    <a:masterClrMapping/>
+  </p:clrMapOvr>
+</p:sld>
+</file>
+
+<file path=ppt/slides/slide7.xml><?xml version="1.0" encoding="utf-8"?>
+<p:sld xmlns:a="http://schemas.openxmlformats.org/drawingml/2006/main" xmlns:r="http://schemas.openxmlformats.org/officeDocument/2006/relationships" xmlns:p="http://schemas.openxmlformats.org/presentationml/2006/main">
+  <p:cSld>
+    <p:spTree>
+      <p:nvGrpSpPr>
+        <p:cNvPr id="1" name=""/>
+        <p:cNvGrpSpPr/>
+        <p:nvPr/>
+      </p:nvGrpSpPr>
+      <p:grpSpPr>
+        <a:xfrm>
+          <a:off x="0" y="0"/>
+          <a:ext cx="0" cy="0"/>
+          <a:chOff x="0" y="0"/>
+          <a:chExt cx="0" cy="0"/>
+        </a:xfrm>
+      </p:grpSpPr>
+      <p:sp>
+        <p:nvSpPr>
+          <p:cNvPr id="2" name="Título 1">
+            <a:extLst>
+              <a:ext uri="{FF2B5EF4-FFF2-40B4-BE49-F238E27FC236}">
+                <a16:creationId xmlns:a16="http://schemas.microsoft.com/office/drawing/2014/main" id="{B71AE758-2D6A-4B72-BE8E-A40CF4A9DCC3}"/>
+              </a:ext>
+            </a:extLst>
+          </p:cNvPr>
+          <p:cNvSpPr>
+            <a:spLocks noGrp="1"/>
+          </p:cNvSpPr>
+          <p:nvPr>
+            <p:ph type="title"/>
+          </p:nvPr>
+        </p:nvSpPr>
+        <p:spPr/>
+        <p:txBody>
+          <a:bodyPr/>
+          <a:lstStyle/>
+          <a:p>
+            <a:r>
+              <a:rPr lang="es-MX" dirty="0"/>
+              <a:t>Usos comunes de ciclo </a:t>
+            </a:r>
+            <a:r>
+              <a:rPr lang="es-MX" i="1" dirty="0" err="1"/>
+              <a:t>while</a:t>
+            </a:r>
+            <a:endParaRPr lang="es-MX" i="1" dirty="0"/>
+          </a:p>
+        </p:txBody>
+      </p:sp>
+      <p:sp>
+        <p:nvSpPr>
+          <p:cNvPr id="3" name="Marcador de contenido 2">
+            <a:extLst>
+              <a:ext uri="{FF2B5EF4-FFF2-40B4-BE49-F238E27FC236}">
+                <a16:creationId xmlns:a16="http://schemas.microsoft.com/office/drawing/2014/main" id="{94833CF7-CE00-4302-89E0-32F18CA2B019}"/>
+              </a:ext>
+            </a:extLst>
+          </p:cNvPr>
+          <p:cNvSpPr>
+            <a:spLocks noGrp="1"/>
+          </p:cNvSpPr>
+          <p:nvPr>
+            <p:ph idx="1"/>
+          </p:nvPr>
+        </p:nvSpPr>
+        <p:spPr/>
+        <p:txBody>
+          <a:bodyPr/>
+          <a:lstStyle/>
+          <a:p>
+            <a:r>
+              <a:rPr lang="es-MX" dirty="0"/>
+              <a:t>Se puede usar para hacer cuentas progresivas o regresivas:</a:t>
+            </a:r>
+          </a:p>
+        </p:txBody>
+      </p:sp>
+      <p:sp>
+        <p:nvSpPr>
+          <p:cNvPr id="4" name="CuadroTexto 3">
+            <a:extLst>
+              <a:ext uri="{FF2B5EF4-FFF2-40B4-BE49-F238E27FC236}">
+                <a16:creationId xmlns:a16="http://schemas.microsoft.com/office/drawing/2014/main" id="{03B34C5F-E40C-40AC-994B-C4FD2A5D29EC}"/>
+              </a:ext>
+            </a:extLst>
+          </p:cNvPr>
+          <p:cNvSpPr txBox="1"/>
+          <p:nvPr/>
+        </p:nvSpPr>
+        <p:spPr>
+          <a:xfrm>
+            <a:off x="1255025" y="3093353"/>
+            <a:ext cx="6035007" cy="1815882"/>
+          </a:xfrm>
+          <a:prstGeom prst="rect">
+            <a:avLst/>
+          </a:prstGeom>
+          <a:noFill/>
+        </p:spPr>
+        <p:txBody>
+          <a:bodyPr wrap="square" rtlCol="0">
+            <a:spAutoFit/>
+          </a:bodyPr>
+          <a:lstStyle/>
+          <a:p>
+            <a:r>
+              <a:rPr lang="es-MX" sz="2800" dirty="0">
+                <a:latin typeface="Consolas" panose="020B0609020204030204" pitchFamily="49" charset="0"/>
+              </a:rPr>
+              <a:t>contador</a:t>
+            </a:r>
+            <a:r>
+              <a:rPr lang="es-MX" sz="2800" dirty="0">
+                <a:solidFill>
+                  <a:srgbClr val="0070C0"/>
+                </a:solidFill>
+                <a:latin typeface="Consolas" panose="020B0609020204030204" pitchFamily="49" charset="0"/>
+              </a:rPr>
+              <a:t> = 0</a:t>
+            </a:r>
+          </a:p>
+          <a:p>
+            <a:r>
+              <a:rPr lang="es-MX" sz="2800" dirty="0" err="1">
+                <a:solidFill>
+                  <a:srgbClr val="0070C0"/>
+                </a:solidFill>
+                <a:latin typeface="Consolas" panose="020B0609020204030204" pitchFamily="49" charset="0"/>
+              </a:rPr>
+              <a:t>while</a:t>
+            </a:r>
+            <a:r>
+              <a:rPr lang="es-MX" sz="2800" dirty="0">
+                <a:latin typeface="Consolas" panose="020B0609020204030204" pitchFamily="49" charset="0"/>
+              </a:rPr>
+              <a:t> contador &lt; 10</a:t>
+            </a:r>
+            <a:r>
+              <a:rPr lang="es-MX" sz="2800" dirty="0">
+                <a:solidFill>
+                  <a:srgbClr val="0070C0"/>
+                </a:solidFill>
+                <a:latin typeface="Consolas" panose="020B0609020204030204" pitchFamily="49" charset="0"/>
+              </a:rPr>
+              <a:t>:</a:t>
+            </a:r>
+          </a:p>
+          <a:p>
+            <a:r>
+              <a:rPr lang="es-MX" sz="2800" dirty="0">
+                <a:latin typeface="Consolas" panose="020B0609020204030204" pitchFamily="49" charset="0"/>
+              </a:rPr>
+              <a:t>    </a:t>
+            </a:r>
+            <a:r>
+              <a:rPr lang="es-MX" sz="2800" i="1" dirty="0">
+                <a:latin typeface="Consolas" panose="020B0609020204030204" pitchFamily="49" charset="0"/>
+              </a:rPr>
+              <a:t>&lt;bloque&gt;</a:t>
+            </a:r>
+          </a:p>
+          <a:p>
+            <a:r>
+              <a:rPr lang="es-MX" sz="2800" i="1" dirty="0">
+                <a:latin typeface="Consolas" panose="020B0609020204030204" pitchFamily="49" charset="0"/>
+              </a:rPr>
+              <a:t>	</a:t>
+            </a:r>
+            <a:r>
+              <a:rPr lang="es-MX" sz="2800" dirty="0">
+                <a:latin typeface="Consolas" panose="020B0609020204030204" pitchFamily="49" charset="0"/>
+              </a:rPr>
+              <a:t>contador = contador + 1</a:t>
+            </a:r>
+          </a:p>
+        </p:txBody>
+      </p:sp>
+    </p:spTree>
+    <p:extLst>
+      <p:ext uri="{BB962C8B-B14F-4D97-AF65-F5344CB8AC3E}">
+        <p14:creationId xmlns:p14="http://schemas.microsoft.com/office/powerpoint/2010/main" val="3637466477"/>
+      </p:ext>
+    </p:extLst>
+  </p:cSld>
+  <p:clrMapOvr>
+    <a:masterClrMapping/>
+  </p:clrMapOvr>
+</p:sld>
+</file>
+
+<file path=ppt/slides/slide8.xml><?xml version="1.0" encoding="utf-8"?>
+<p:sld xmlns:a="http://schemas.openxmlformats.org/drawingml/2006/main" xmlns:r="http://schemas.openxmlformats.org/officeDocument/2006/relationships" xmlns:p="http://schemas.openxmlformats.org/presentationml/2006/main">
+  <p:cSld>
+    <p:spTree>
+      <p:nvGrpSpPr>
+        <p:cNvPr id="1" name=""/>
+        <p:cNvGrpSpPr/>
+        <p:nvPr/>
+      </p:nvGrpSpPr>
+      <p:grpSpPr>
+        <a:xfrm>
+          <a:off x="0" y="0"/>
+          <a:ext cx="0" cy="0"/>
+          <a:chOff x="0" y="0"/>
+          <a:chExt cx="0" cy="0"/>
+        </a:xfrm>
+      </p:grpSpPr>
+      <p:sp>
+        <p:nvSpPr>
+          <p:cNvPr id="2" name="Título 1">
+            <a:extLst>
+              <a:ext uri="{FF2B5EF4-FFF2-40B4-BE49-F238E27FC236}">
+                <a16:creationId xmlns:a16="http://schemas.microsoft.com/office/drawing/2014/main" id="{B71AE758-2D6A-4B72-BE8E-A40CF4A9DCC3}"/>
+              </a:ext>
+            </a:extLst>
+          </p:cNvPr>
+          <p:cNvSpPr>
+            <a:spLocks noGrp="1"/>
+          </p:cNvSpPr>
+          <p:nvPr>
+            <p:ph type="title"/>
+          </p:nvPr>
+        </p:nvSpPr>
+        <p:spPr/>
+        <p:txBody>
+          <a:bodyPr/>
+          <a:lstStyle/>
+          <a:p>
+            <a:r>
+              <a:rPr lang="es-MX" dirty="0"/>
+              <a:t>Usos comunes de ciclo </a:t>
+            </a:r>
+            <a:r>
+              <a:rPr lang="es-MX" i="1" dirty="0" err="1"/>
+              <a:t>while</a:t>
+            </a:r>
+            <a:endParaRPr lang="es-MX" i="1" dirty="0"/>
+          </a:p>
+        </p:txBody>
+      </p:sp>
+      <p:sp>
+        <p:nvSpPr>
+          <p:cNvPr id="3" name="Marcador de contenido 2">
+            <a:extLst>
+              <a:ext uri="{FF2B5EF4-FFF2-40B4-BE49-F238E27FC236}">
+                <a16:creationId xmlns:a16="http://schemas.microsoft.com/office/drawing/2014/main" id="{94833CF7-CE00-4302-89E0-32F18CA2B019}"/>
+              </a:ext>
+            </a:extLst>
+          </p:cNvPr>
+          <p:cNvSpPr>
+            <a:spLocks noGrp="1"/>
+          </p:cNvSpPr>
+          <p:nvPr>
+            <p:ph idx="1"/>
+          </p:nvPr>
+        </p:nvSpPr>
+        <p:spPr/>
+        <p:txBody>
+          <a:bodyPr/>
+          <a:lstStyle/>
+          <a:p>
+            <a:r>
+              <a:rPr lang="es-MX" dirty="0"/>
+              <a:t>Se puede usar para hacer cuentas progresivas o regresivas:</a:t>
+            </a:r>
+          </a:p>
+        </p:txBody>
+      </p:sp>
+      <p:sp>
+        <p:nvSpPr>
+          <p:cNvPr id="4" name="CuadroTexto 3">
+            <a:extLst>
+              <a:ext uri="{FF2B5EF4-FFF2-40B4-BE49-F238E27FC236}">
+                <a16:creationId xmlns:a16="http://schemas.microsoft.com/office/drawing/2014/main" id="{03B34C5F-E40C-40AC-994B-C4FD2A5D29EC}"/>
+              </a:ext>
+            </a:extLst>
+          </p:cNvPr>
+          <p:cNvSpPr txBox="1"/>
+          <p:nvPr/>
+        </p:nvSpPr>
+        <p:spPr>
+          <a:xfrm>
+            <a:off x="1255025" y="3093353"/>
+            <a:ext cx="6035007" cy="1815882"/>
+          </a:xfrm>
+          <a:prstGeom prst="rect">
+            <a:avLst/>
+          </a:prstGeom>
+          <a:noFill/>
+        </p:spPr>
+        <p:txBody>
+          <a:bodyPr wrap="square" rtlCol="0">
+            <a:spAutoFit/>
+          </a:bodyPr>
+          <a:lstStyle/>
+          <a:p>
+            <a:r>
+              <a:rPr lang="es-MX" sz="2800" dirty="0">
+                <a:latin typeface="Consolas" panose="020B0609020204030204" pitchFamily="49" charset="0"/>
+              </a:rPr>
+              <a:t>contador</a:t>
+            </a:r>
+            <a:r>
+              <a:rPr lang="es-MX" sz="2800" dirty="0">
+                <a:solidFill>
+                  <a:srgbClr val="0070C0"/>
+                </a:solidFill>
+                <a:latin typeface="Consolas" panose="020B0609020204030204" pitchFamily="49" charset="0"/>
+              </a:rPr>
+              <a:t> = 0</a:t>
+            </a:r>
+          </a:p>
+          <a:p>
+            <a:r>
+              <a:rPr lang="es-MX" sz="2800" dirty="0" err="1">
+                <a:solidFill>
+                  <a:srgbClr val="0070C0"/>
+                </a:solidFill>
+                <a:latin typeface="Consolas" panose="020B0609020204030204" pitchFamily="49" charset="0"/>
+              </a:rPr>
+              <a:t>while</a:t>
+            </a:r>
+            <a:r>
+              <a:rPr lang="es-MX" sz="2800" dirty="0">
+                <a:latin typeface="Consolas" panose="020B0609020204030204" pitchFamily="49" charset="0"/>
+              </a:rPr>
+              <a:t> contador &lt; 10</a:t>
+            </a:r>
+            <a:r>
+              <a:rPr lang="es-MX" sz="2800" dirty="0">
+                <a:solidFill>
+                  <a:srgbClr val="0070C0"/>
+                </a:solidFill>
+                <a:latin typeface="Consolas" panose="020B0609020204030204" pitchFamily="49" charset="0"/>
+              </a:rPr>
+              <a:t>:</a:t>
+            </a:r>
+          </a:p>
+          <a:p>
+            <a:r>
+              <a:rPr lang="es-MX" sz="2800" dirty="0">
+                <a:latin typeface="Consolas" panose="020B0609020204030204" pitchFamily="49" charset="0"/>
+              </a:rPr>
+              <a:t>    </a:t>
+            </a:r>
+            <a:r>
+              <a:rPr lang="es-MX" sz="2800" i="1" dirty="0">
+                <a:latin typeface="Consolas" panose="020B0609020204030204" pitchFamily="49" charset="0"/>
+              </a:rPr>
+              <a:t>&lt;bloque&gt;</a:t>
+            </a:r>
+          </a:p>
+          <a:p>
+            <a:r>
+              <a:rPr lang="es-MX" sz="2800" i="1" dirty="0">
+                <a:solidFill>
+                  <a:srgbClr val="FF0000"/>
+                </a:solidFill>
+                <a:latin typeface="Consolas" panose="020B0609020204030204" pitchFamily="49" charset="0"/>
+              </a:rPr>
+              <a:t>    </a:t>
+            </a:r>
+            <a:r>
+              <a:rPr lang="es-MX" sz="2800" dirty="0">
+                <a:solidFill>
+                  <a:srgbClr val="FF0000"/>
+                </a:solidFill>
+                <a:latin typeface="Consolas" panose="020B0609020204030204" pitchFamily="49" charset="0"/>
+              </a:rPr>
+              <a:t>contador += 1</a:t>
+            </a:r>
+          </a:p>
+        </p:txBody>
+      </p:sp>
+      <p:sp>
+        <p:nvSpPr>
+          <p:cNvPr id="5" name="CuadroTexto 4">
+            <a:extLst>
+              <a:ext uri="{FF2B5EF4-FFF2-40B4-BE49-F238E27FC236}">
+                <a16:creationId xmlns:a16="http://schemas.microsoft.com/office/drawing/2014/main" id="{84AF62CE-B27A-4543-854C-32EB6A51870C}"/>
+              </a:ext>
+            </a:extLst>
+          </p:cNvPr>
+          <p:cNvSpPr txBox="1"/>
+          <p:nvPr/>
+        </p:nvSpPr>
+        <p:spPr>
+          <a:xfrm>
+            <a:off x="6570326" y="2958416"/>
+            <a:ext cx="4696089" cy="1477328"/>
+          </a:xfrm>
+          <a:prstGeom prst="rect">
+            <a:avLst/>
+          </a:prstGeom>
+          <a:noFill/>
+        </p:spPr>
+        <p:txBody>
+          <a:bodyPr wrap="square" rtlCol="0">
+            <a:spAutoFit/>
+          </a:bodyPr>
+          <a:lstStyle/>
+          <a:p>
+            <a:r>
+              <a:rPr lang="es-MX" dirty="0"/>
+              <a:t>Tan común es este tipo de asignaciones:</a:t>
+            </a:r>
+          </a:p>
+          <a:p>
+            <a:r>
+              <a:rPr lang="es-MX" dirty="0"/>
+              <a:t>x = x + 1 </a:t>
+            </a:r>
+            <a:r>
+              <a:rPr lang="es-MX" dirty="0">
+                <a:sym typeface="Wingdings" panose="05000000000000000000" pitchFamily="2" charset="2"/>
+              </a:rPr>
+              <a:t> x += 1</a:t>
+            </a:r>
+            <a:endParaRPr lang="es-MX" dirty="0"/>
+          </a:p>
+          <a:p>
+            <a:r>
+              <a:rPr lang="es-MX" dirty="0"/>
+              <a:t>x = x – 1 </a:t>
+            </a:r>
+            <a:r>
+              <a:rPr lang="es-MX" dirty="0">
+                <a:sym typeface="Wingdings" panose="05000000000000000000" pitchFamily="2" charset="2"/>
+              </a:rPr>
+              <a:t> x -= 1</a:t>
+            </a:r>
+            <a:endParaRPr lang="es-MX" dirty="0"/>
+          </a:p>
+          <a:p>
+            <a:r>
+              <a:rPr lang="es-MX" dirty="0"/>
+              <a:t>x = x * 2 </a:t>
+            </a:r>
+            <a:r>
+              <a:rPr lang="es-MX" dirty="0">
+                <a:sym typeface="Wingdings" panose="05000000000000000000" pitchFamily="2" charset="2"/>
+              </a:rPr>
+              <a:t> x *= 2</a:t>
+            </a:r>
+            <a:endParaRPr lang="es-MX" dirty="0"/>
+          </a:p>
+          <a:p>
+            <a:r>
+              <a:rPr lang="es-MX" dirty="0"/>
+              <a:t>x = x / 2 </a:t>
+            </a:r>
+            <a:r>
+              <a:rPr lang="es-MX" dirty="0">
+                <a:sym typeface="Wingdings" panose="05000000000000000000" pitchFamily="2" charset="2"/>
+              </a:rPr>
+              <a:t> x / = 2</a:t>
+            </a:r>
+            <a:endParaRPr lang="es-MX" dirty="0"/>
+          </a:p>
+        </p:txBody>
+      </p:sp>
+    </p:spTree>
+    <p:extLst>
+      <p:ext uri="{BB962C8B-B14F-4D97-AF65-F5344CB8AC3E}">
+        <p14:creationId xmlns:p14="http://schemas.microsoft.com/office/powerpoint/2010/main" val="2421716956"/>
+      </p:ext>
+    </p:extLst>
+  </p:cSld>
+  <p:clrMapOvr>
+    <a:masterClrMapping/>
+  </p:clrMapOvr>
+</p:sld>
+</file>
+
+<file path=ppt/slides/slide9.xml><?xml version="1.0" encoding="utf-8"?>
+<p:sld xmlns:a="http://schemas.openxmlformats.org/drawingml/2006/main" xmlns:r="http://schemas.openxmlformats.org/officeDocument/2006/relationships" xmlns:p="http://schemas.openxmlformats.org/presentationml/2006/main">
+  <p:cSld>
+    <p:spTree>
+      <p:nvGrpSpPr>
+        <p:cNvPr id="1" name=""/>
+        <p:cNvGrpSpPr/>
+        <p:nvPr/>
+      </p:nvGrpSpPr>
+      <p:grpSpPr>
+        <a:xfrm>
+          <a:off x="0" y="0"/>
+          <a:ext cx="0" cy="0"/>
+          <a:chOff x="0" y="0"/>
+          <a:chExt cx="0" cy="0"/>
+        </a:xfrm>
+      </p:grpSpPr>
+      <p:sp>
+        <p:nvSpPr>
+          <p:cNvPr id="2" name="Título 1">
+            <a:extLst>
+              <a:ext uri="{FF2B5EF4-FFF2-40B4-BE49-F238E27FC236}">
+                <a16:creationId xmlns:a16="http://schemas.microsoft.com/office/drawing/2014/main" id="{45425E30-D936-4B7A-AC59-13801891BC7D}"/>
+              </a:ext>
+            </a:extLst>
+          </p:cNvPr>
+          <p:cNvSpPr>
+            <a:spLocks noGrp="1"/>
+          </p:cNvSpPr>
+          <p:nvPr>
+            <p:ph type="title"/>
+          </p:nvPr>
+        </p:nvSpPr>
+        <p:spPr/>
+        <p:txBody>
+          <a:bodyPr/>
+          <a:lstStyle/>
+          <a:p>
+            <a:r>
+              <a:rPr lang="es-MX" dirty="0"/>
+              <a:t>Ejercicio 05-03</a:t>
+            </a:r>
+          </a:p>
+        </p:txBody>
+      </p:sp>
+      <p:sp>
+        <p:nvSpPr>
+          <p:cNvPr id="3" name="Marcador de contenido 2">
+            <a:extLst>
+              <a:ext uri="{FF2B5EF4-FFF2-40B4-BE49-F238E27FC236}">
+                <a16:creationId xmlns:a16="http://schemas.microsoft.com/office/drawing/2014/main" id="{96E3123B-392F-46E5-B588-ED2C279EFB53}"/>
+              </a:ext>
+            </a:extLst>
+          </p:cNvPr>
+          <p:cNvSpPr>
+            <a:spLocks noGrp="1"/>
+          </p:cNvSpPr>
+          <p:nvPr>
+            <p:ph idx="1"/>
+          </p:nvPr>
+        </p:nvSpPr>
+        <p:spPr/>
+        <p:txBody>
+          <a:bodyPr/>
+          <a:lstStyle/>
+          <a:p>
+            <a:endParaRPr lang="es-MX" dirty="0"/>
+          </a:p>
+        </p:txBody>
+      </p:sp>
+    </p:spTree>
+    <p:extLst>
+      <p:ext uri="{BB962C8B-B14F-4D97-AF65-F5344CB8AC3E}">
+        <p14:creationId xmlns:p14="http://schemas.microsoft.com/office/powerpoint/2010/main" val="801222471"/>
       </p:ext>
     </p:extLst>
   </p:cSld>
